--- a/planning.pptx
+++ b/planning.pptx
@@ -248,7 +248,7 @@
           <a:p>
             <a:fld id="{B8B1DEE7-6417-4E7E-B0A9-013C7F7166DA}" type="datetimeFigureOut">
               <a:rPr lang="en-US" smtClean="0"/>
-              <a:t>3/17/2019</a:t>
+              <a:t>3/18/2019</a:t>
             </a:fld>
             <a:endParaRPr lang="en-US"/>
           </a:p>
@@ -416,7 +416,7 @@
           <a:p>
             <a:fld id="{B8B1DEE7-6417-4E7E-B0A9-013C7F7166DA}" type="datetimeFigureOut">
               <a:rPr lang="en-US" smtClean="0"/>
-              <a:t>3/17/2019</a:t>
+              <a:t>3/18/2019</a:t>
             </a:fld>
             <a:endParaRPr lang="en-US"/>
           </a:p>
@@ -594,7 +594,7 @@
           <a:p>
             <a:fld id="{B8B1DEE7-6417-4E7E-B0A9-013C7F7166DA}" type="datetimeFigureOut">
               <a:rPr lang="en-US" smtClean="0"/>
-              <a:t>3/17/2019</a:t>
+              <a:t>3/18/2019</a:t>
             </a:fld>
             <a:endParaRPr lang="en-US"/>
           </a:p>
@@ -762,7 +762,7 @@
           <a:p>
             <a:fld id="{B8B1DEE7-6417-4E7E-B0A9-013C7F7166DA}" type="datetimeFigureOut">
               <a:rPr lang="en-US" smtClean="0"/>
-              <a:t>3/17/2019</a:t>
+              <a:t>3/18/2019</a:t>
             </a:fld>
             <a:endParaRPr lang="en-US"/>
           </a:p>
@@ -1007,7 +1007,7 @@
           <a:p>
             <a:fld id="{B8B1DEE7-6417-4E7E-B0A9-013C7F7166DA}" type="datetimeFigureOut">
               <a:rPr lang="en-US" smtClean="0"/>
-              <a:t>3/17/2019</a:t>
+              <a:t>3/18/2019</a:t>
             </a:fld>
             <a:endParaRPr lang="en-US"/>
           </a:p>
@@ -1236,7 +1236,7 @@
           <a:p>
             <a:fld id="{B8B1DEE7-6417-4E7E-B0A9-013C7F7166DA}" type="datetimeFigureOut">
               <a:rPr lang="en-US" smtClean="0"/>
-              <a:t>3/17/2019</a:t>
+              <a:t>3/18/2019</a:t>
             </a:fld>
             <a:endParaRPr lang="en-US"/>
           </a:p>
@@ -1600,7 +1600,7 @@
           <a:p>
             <a:fld id="{B8B1DEE7-6417-4E7E-B0A9-013C7F7166DA}" type="datetimeFigureOut">
               <a:rPr lang="en-US" smtClean="0"/>
-              <a:t>3/17/2019</a:t>
+              <a:t>3/18/2019</a:t>
             </a:fld>
             <a:endParaRPr lang="en-US"/>
           </a:p>
@@ -1717,7 +1717,7 @@
           <a:p>
             <a:fld id="{B8B1DEE7-6417-4E7E-B0A9-013C7F7166DA}" type="datetimeFigureOut">
               <a:rPr lang="en-US" smtClean="0"/>
-              <a:t>3/17/2019</a:t>
+              <a:t>3/18/2019</a:t>
             </a:fld>
             <a:endParaRPr lang="en-US"/>
           </a:p>
@@ -1812,7 +1812,7 @@
           <a:p>
             <a:fld id="{B8B1DEE7-6417-4E7E-B0A9-013C7F7166DA}" type="datetimeFigureOut">
               <a:rPr lang="en-US" smtClean="0"/>
-              <a:t>3/17/2019</a:t>
+              <a:t>3/18/2019</a:t>
             </a:fld>
             <a:endParaRPr lang="en-US"/>
           </a:p>
@@ -2087,7 +2087,7 @@
           <a:p>
             <a:fld id="{B8B1DEE7-6417-4E7E-B0A9-013C7F7166DA}" type="datetimeFigureOut">
               <a:rPr lang="en-US" smtClean="0"/>
-              <a:t>3/17/2019</a:t>
+              <a:t>3/18/2019</a:t>
             </a:fld>
             <a:endParaRPr lang="en-US"/>
           </a:p>
@@ -2339,7 +2339,7 @@
           <a:p>
             <a:fld id="{B8B1DEE7-6417-4E7E-B0A9-013C7F7166DA}" type="datetimeFigureOut">
               <a:rPr lang="en-US" smtClean="0"/>
-              <a:t>3/17/2019</a:t>
+              <a:t>3/18/2019</a:t>
             </a:fld>
             <a:endParaRPr lang="en-US"/>
           </a:p>
@@ -2550,7 +2550,7 @@
           <a:p>
             <a:fld id="{B8B1DEE7-6417-4E7E-B0A9-013C7F7166DA}" type="datetimeFigureOut">
               <a:rPr lang="en-US" smtClean="0"/>
-              <a:t>3/17/2019</a:t>
+              <a:t>3/18/2019</a:t>
             </a:fld>
             <a:endParaRPr lang="en-US"/>
           </a:p>
@@ -3202,7 +3202,7 @@
           <a:p>
             <a:r>
               <a:rPr lang="en-US" altLang="zh-CN" dirty="0"/>
-              <a:t>Data aggregating</a:t>
+              <a:t>Data cleaning and aggregating</a:t>
             </a:r>
           </a:p>
           <a:p>
@@ -3624,7 +3624,7 @@
             </a:r>
             <a:r>
               <a:rPr lang="en-US" altLang="zh-CN"/>
-              <a:t>lower than 0.1</a:t>
+              <a:t>lower than 0.4</a:t>
             </a:r>
             <a:endParaRPr lang="zh-CN" altLang="en-US" dirty="0"/>
           </a:p>

--- a/planning.pptx
+++ b/planning.pptx
@@ -3208,13 +3208,13 @@
           <a:p>
             <a:r>
               <a:rPr lang="en-US" altLang="zh-CN" dirty="0"/>
-              <a:t>Data modeling</a:t>
+              <a:t>Training data and data modeling</a:t>
             </a:r>
           </a:p>
           <a:p>
             <a:r>
               <a:rPr lang="en-US" altLang="zh-CN" dirty="0"/>
-              <a:t>Make predictions </a:t>
+              <a:t>Make predictions based on model</a:t>
             </a:r>
           </a:p>
           <a:p>
@@ -3311,7 +3311,7 @@
           <a:p>
             <a:r>
               <a:rPr lang="en-US" altLang="zh-CN" dirty="0"/>
-              <a:t>The latest two seasons  record dataset containing game history of 32 NBA teams.</a:t>
+              <a:t>The latest two seasons record dataset containing game history of 32 NBA teams.</a:t>
             </a:r>
           </a:p>
           <a:p>
@@ -3401,19 +3401,25 @@
           <a:p>
             <a:r>
               <a:rPr lang="en-US" altLang="zh-CN" dirty="0"/>
-              <a:t>Achieve a result of data aggregation and modeling</a:t>
+              <a:t>Planning our project in details and build repo(week 10)</a:t>
             </a:r>
           </a:p>
           <a:p>
             <a:r>
               <a:rPr lang="en-US" altLang="zh-CN" dirty="0"/>
-              <a:t>Finish the part of NBA game prediction and testing it</a:t>
+              <a:t>Achieve a result of data aggregation and modeling(week 11~12)</a:t>
             </a:r>
           </a:p>
           <a:p>
             <a:r>
               <a:rPr lang="en-US" altLang="zh-CN" dirty="0"/>
-              <a:t>Make improvements on our project</a:t>
+              <a:t>Finish the part of NBA game prediction and testing it(week 13)</a:t>
+            </a:r>
+          </a:p>
+          <a:p>
+            <a:r>
+              <a:rPr lang="en-US" altLang="zh-CN" dirty="0"/>
+              <a:t>Make improvements on our project(week 14)</a:t>
             </a:r>
           </a:p>
         </p:txBody>

--- a/planning.pptx
+++ b/planning.pptx
@@ -3207,8 +3207,12 @@
           </a:p>
           <a:p>
             <a:r>
+              <a:rPr lang="en-US" altLang="zh-CN"/>
+              <a:t>Data training and </a:t>
+            </a:r>
+            <a:r>
               <a:rPr lang="en-US" altLang="zh-CN" dirty="0"/>
-              <a:t>Training data and data modeling</a:t>
+              <a:t>modeling</a:t>
             </a:r>
           </a:p>
           <a:p>

--- a/planning.pptx
+++ b/planning.pptx
@@ -13,6 +13,7 @@
     <p:sldId id="266" r:id="rId7"/>
     <p:sldId id="263" r:id="rId8"/>
     <p:sldId id="267" r:id="rId9"/>
+    <p:sldId id="268" r:id="rId10"/>
   </p:sldIdLst>
   <p:sldSz cx="12192000" cy="6858000"/>
   <p:notesSz cx="6858000" cy="9144000"/>
@@ -3755,6 +3756,90 @@
 </p:sld>
 </file>
 
+<file path=ppt/slides/slide9.xml><?xml version="1.0" encoding="utf-8"?>
+<p:sld xmlns:a="http://schemas.openxmlformats.org/drawingml/2006/main" xmlns:r="http://schemas.openxmlformats.org/officeDocument/2006/relationships" xmlns:p="http://schemas.openxmlformats.org/presentationml/2006/main">
+  <p:cSld>
+    <p:spTree>
+      <p:nvGrpSpPr>
+        <p:cNvPr id="1" name=""/>
+        <p:cNvGrpSpPr/>
+        <p:nvPr/>
+      </p:nvGrpSpPr>
+      <p:grpSpPr>
+        <a:xfrm>
+          <a:off x="0" y="0"/>
+          <a:ext cx="0" cy="0"/>
+          <a:chOff x="0" y="0"/>
+          <a:chExt cx="0" cy="0"/>
+        </a:xfrm>
+      </p:grpSpPr>
+      <p:sp>
+        <p:nvSpPr>
+          <p:cNvPr id="2" name="标题 1">
+            <a:extLst>
+              <a:ext uri="{FF2B5EF4-FFF2-40B4-BE49-F238E27FC236}">
+                <a16:creationId xmlns:a16="http://schemas.microsoft.com/office/drawing/2014/main" id="{4706937A-522E-4146-A802-9EE98C4F5B78}"/>
+              </a:ext>
+            </a:extLst>
+          </p:cNvPr>
+          <p:cNvSpPr>
+            <a:spLocks noGrp="1"/>
+          </p:cNvSpPr>
+          <p:nvPr>
+            <p:ph type="title"/>
+          </p:nvPr>
+        </p:nvSpPr>
+        <p:spPr/>
+        <p:txBody>
+          <a:bodyPr/>
+          <a:lstStyle/>
+          <a:p>
+            <a:r>
+              <a:rPr lang="en-US" altLang="zh-CN"/>
+              <a:t>Thank you</a:t>
+            </a:r>
+            <a:endParaRPr lang="zh-CN" altLang="en-US"/>
+          </a:p>
+        </p:txBody>
+      </p:sp>
+      <p:sp>
+        <p:nvSpPr>
+          <p:cNvPr id="3" name="内容占位符 2">
+            <a:extLst>
+              <a:ext uri="{FF2B5EF4-FFF2-40B4-BE49-F238E27FC236}">
+                <a16:creationId xmlns:a16="http://schemas.microsoft.com/office/drawing/2014/main" id="{386FA061-68D4-47BC-8C4F-544D94AB7CBC}"/>
+              </a:ext>
+            </a:extLst>
+          </p:cNvPr>
+          <p:cNvSpPr>
+            <a:spLocks noGrp="1"/>
+          </p:cNvSpPr>
+          <p:nvPr>
+            <p:ph idx="1"/>
+          </p:nvPr>
+        </p:nvSpPr>
+        <p:spPr/>
+        <p:txBody>
+          <a:bodyPr/>
+          <a:lstStyle/>
+          <a:p>
+            <a:endParaRPr lang="zh-CN" altLang="en-US" dirty="0"/>
+          </a:p>
+        </p:txBody>
+      </p:sp>
+    </p:spTree>
+    <p:extLst>
+      <p:ext uri="{BB962C8B-B14F-4D97-AF65-F5344CB8AC3E}">
+        <p14:creationId xmlns:p14="http://schemas.microsoft.com/office/powerpoint/2010/main" val="3050544878"/>
+      </p:ext>
+    </p:extLst>
+  </p:cSld>
+  <p:clrMapOvr>
+    <a:masterClrMapping/>
+  </p:clrMapOvr>
+</p:sld>
+</file>
+
 <file path=ppt/theme/theme1.xml><?xml version="1.0" encoding="utf-8"?>
 <a:theme xmlns:a="http://schemas.openxmlformats.org/drawingml/2006/main" name="Office Theme">
   <a:themeElements>

--- a/planning.pptx
+++ b/planning.pptx
@@ -8,12 +8,13 @@
     <p:sldId id="260" r:id="rId2"/>
     <p:sldId id="265" r:id="rId3"/>
     <p:sldId id="261" r:id="rId4"/>
-    <p:sldId id="264" r:id="rId5"/>
-    <p:sldId id="262" r:id="rId6"/>
-    <p:sldId id="266" r:id="rId7"/>
-    <p:sldId id="263" r:id="rId8"/>
-    <p:sldId id="267" r:id="rId9"/>
-    <p:sldId id="268" r:id="rId10"/>
+    <p:sldId id="269" r:id="rId5"/>
+    <p:sldId id="264" r:id="rId6"/>
+    <p:sldId id="262" r:id="rId7"/>
+    <p:sldId id="266" r:id="rId8"/>
+    <p:sldId id="263" r:id="rId9"/>
+    <p:sldId id="267" r:id="rId10"/>
+    <p:sldId id="268" r:id="rId11"/>
   </p:sldIdLst>
   <p:sldSz cx="12192000" cy="6858000"/>
   <p:notesSz cx="6858000" cy="9144000"/>
@@ -249,7 +250,7 @@
           <a:p>
             <a:fld id="{B8B1DEE7-6417-4E7E-B0A9-013C7F7166DA}" type="datetimeFigureOut">
               <a:rPr lang="en-US" smtClean="0"/>
-              <a:t>3/18/2019</a:t>
+              <a:t>3/21/2019</a:t>
             </a:fld>
             <a:endParaRPr lang="en-US"/>
           </a:p>
@@ -417,7 +418,7 @@
           <a:p>
             <a:fld id="{B8B1DEE7-6417-4E7E-B0A9-013C7F7166DA}" type="datetimeFigureOut">
               <a:rPr lang="en-US" smtClean="0"/>
-              <a:t>3/18/2019</a:t>
+              <a:t>3/21/2019</a:t>
             </a:fld>
             <a:endParaRPr lang="en-US"/>
           </a:p>
@@ -595,7 +596,7 @@
           <a:p>
             <a:fld id="{B8B1DEE7-6417-4E7E-B0A9-013C7F7166DA}" type="datetimeFigureOut">
               <a:rPr lang="en-US" smtClean="0"/>
-              <a:t>3/18/2019</a:t>
+              <a:t>3/21/2019</a:t>
             </a:fld>
             <a:endParaRPr lang="en-US"/>
           </a:p>
@@ -763,7 +764,7 @@
           <a:p>
             <a:fld id="{B8B1DEE7-6417-4E7E-B0A9-013C7F7166DA}" type="datetimeFigureOut">
               <a:rPr lang="en-US" smtClean="0"/>
-              <a:t>3/18/2019</a:t>
+              <a:t>3/21/2019</a:t>
             </a:fld>
             <a:endParaRPr lang="en-US"/>
           </a:p>
@@ -1008,7 +1009,7 @@
           <a:p>
             <a:fld id="{B8B1DEE7-6417-4E7E-B0A9-013C7F7166DA}" type="datetimeFigureOut">
               <a:rPr lang="en-US" smtClean="0"/>
-              <a:t>3/18/2019</a:t>
+              <a:t>3/21/2019</a:t>
             </a:fld>
             <a:endParaRPr lang="en-US"/>
           </a:p>
@@ -1237,7 +1238,7 @@
           <a:p>
             <a:fld id="{B8B1DEE7-6417-4E7E-B0A9-013C7F7166DA}" type="datetimeFigureOut">
               <a:rPr lang="en-US" smtClean="0"/>
-              <a:t>3/18/2019</a:t>
+              <a:t>3/21/2019</a:t>
             </a:fld>
             <a:endParaRPr lang="en-US"/>
           </a:p>
@@ -1601,7 +1602,7 @@
           <a:p>
             <a:fld id="{B8B1DEE7-6417-4E7E-B0A9-013C7F7166DA}" type="datetimeFigureOut">
               <a:rPr lang="en-US" smtClean="0"/>
-              <a:t>3/18/2019</a:t>
+              <a:t>3/21/2019</a:t>
             </a:fld>
             <a:endParaRPr lang="en-US"/>
           </a:p>
@@ -1718,7 +1719,7 @@
           <a:p>
             <a:fld id="{B8B1DEE7-6417-4E7E-B0A9-013C7F7166DA}" type="datetimeFigureOut">
               <a:rPr lang="en-US" smtClean="0"/>
-              <a:t>3/18/2019</a:t>
+              <a:t>3/21/2019</a:t>
             </a:fld>
             <a:endParaRPr lang="en-US"/>
           </a:p>
@@ -1813,7 +1814,7 @@
           <a:p>
             <a:fld id="{B8B1DEE7-6417-4E7E-B0A9-013C7F7166DA}" type="datetimeFigureOut">
               <a:rPr lang="en-US" smtClean="0"/>
-              <a:t>3/18/2019</a:t>
+              <a:t>3/21/2019</a:t>
             </a:fld>
             <a:endParaRPr lang="en-US"/>
           </a:p>
@@ -2088,7 +2089,7 @@
           <a:p>
             <a:fld id="{B8B1DEE7-6417-4E7E-B0A9-013C7F7166DA}" type="datetimeFigureOut">
               <a:rPr lang="en-US" smtClean="0"/>
-              <a:t>3/18/2019</a:t>
+              <a:t>3/21/2019</a:t>
             </a:fld>
             <a:endParaRPr lang="en-US"/>
           </a:p>
@@ -2340,7 +2341,7 @@
           <a:p>
             <a:fld id="{B8B1DEE7-6417-4E7E-B0A9-013C7F7166DA}" type="datetimeFigureOut">
               <a:rPr lang="en-US" smtClean="0"/>
-              <a:t>3/18/2019</a:t>
+              <a:t>3/21/2019</a:t>
             </a:fld>
             <a:endParaRPr lang="en-US"/>
           </a:p>
@@ -2551,7 +2552,7 @@
           <a:p>
             <a:fld id="{B8B1DEE7-6417-4E7E-B0A9-013C7F7166DA}" type="datetimeFigureOut">
               <a:rPr lang="en-US" smtClean="0"/>
-              <a:t>3/18/2019</a:t>
+              <a:t>3/21/2019</a:t>
             </a:fld>
             <a:endParaRPr lang="en-US"/>
           </a:p>
@@ -3044,6 +3045,90 @@
 </p:sld>
 </file>
 
+<file path=ppt/slides/slide10.xml><?xml version="1.0" encoding="utf-8"?>
+<p:sld xmlns:a="http://schemas.openxmlformats.org/drawingml/2006/main" xmlns:r="http://schemas.openxmlformats.org/officeDocument/2006/relationships" xmlns:p="http://schemas.openxmlformats.org/presentationml/2006/main">
+  <p:cSld>
+    <p:spTree>
+      <p:nvGrpSpPr>
+        <p:cNvPr id="1" name=""/>
+        <p:cNvGrpSpPr/>
+        <p:nvPr/>
+      </p:nvGrpSpPr>
+      <p:grpSpPr>
+        <a:xfrm>
+          <a:off x="0" y="0"/>
+          <a:ext cx="0" cy="0"/>
+          <a:chOff x="0" y="0"/>
+          <a:chExt cx="0" cy="0"/>
+        </a:xfrm>
+      </p:grpSpPr>
+      <p:sp>
+        <p:nvSpPr>
+          <p:cNvPr id="2" name="标题 1">
+            <a:extLst>
+              <a:ext uri="{FF2B5EF4-FFF2-40B4-BE49-F238E27FC236}">
+                <a16:creationId xmlns:a16="http://schemas.microsoft.com/office/drawing/2014/main" id="{4706937A-522E-4146-A802-9EE98C4F5B78}"/>
+              </a:ext>
+            </a:extLst>
+          </p:cNvPr>
+          <p:cNvSpPr>
+            <a:spLocks noGrp="1"/>
+          </p:cNvSpPr>
+          <p:nvPr>
+            <p:ph type="title"/>
+          </p:nvPr>
+        </p:nvSpPr>
+        <p:spPr/>
+        <p:txBody>
+          <a:bodyPr/>
+          <a:lstStyle/>
+          <a:p>
+            <a:r>
+              <a:rPr lang="en-US" altLang="zh-CN"/>
+              <a:t>Thank you</a:t>
+            </a:r>
+            <a:endParaRPr lang="zh-CN" altLang="en-US"/>
+          </a:p>
+        </p:txBody>
+      </p:sp>
+      <p:sp>
+        <p:nvSpPr>
+          <p:cNvPr id="3" name="内容占位符 2">
+            <a:extLst>
+              <a:ext uri="{FF2B5EF4-FFF2-40B4-BE49-F238E27FC236}">
+                <a16:creationId xmlns:a16="http://schemas.microsoft.com/office/drawing/2014/main" id="{386FA061-68D4-47BC-8C4F-544D94AB7CBC}"/>
+              </a:ext>
+            </a:extLst>
+          </p:cNvPr>
+          <p:cNvSpPr>
+            <a:spLocks noGrp="1"/>
+          </p:cNvSpPr>
+          <p:nvPr>
+            <p:ph idx="1"/>
+          </p:nvPr>
+        </p:nvSpPr>
+        <p:spPr/>
+        <p:txBody>
+          <a:bodyPr/>
+          <a:lstStyle/>
+          <a:p>
+            <a:endParaRPr lang="zh-CN" altLang="en-US" dirty="0"/>
+          </a:p>
+        </p:txBody>
+      </p:sp>
+    </p:spTree>
+    <p:extLst>
+      <p:ext uri="{BB962C8B-B14F-4D97-AF65-F5344CB8AC3E}">
+        <p14:creationId xmlns:p14="http://schemas.microsoft.com/office/powerpoint/2010/main" val="3050544878"/>
+      </p:ext>
+    </p:extLst>
+  </p:cSld>
+  <p:clrMapOvr>
+    <a:masterClrMapping/>
+  </p:clrMapOvr>
+</p:sld>
+</file>
+
 <file path=ppt/slides/slide2.xml><?xml version="1.0" encoding="utf-8"?>
 <p:sld xmlns:a="http://schemas.openxmlformats.org/drawingml/2006/main" xmlns:r="http://schemas.openxmlformats.org/officeDocument/2006/relationships" xmlns:p="http://schemas.openxmlformats.org/presentationml/2006/main">
   <p:cSld>
@@ -3269,7 +3354,7 @@
           <p:cNvPr id="2" name="标题 1">
             <a:extLst>
               <a:ext uri="{FF2B5EF4-FFF2-40B4-BE49-F238E27FC236}">
-                <a16:creationId xmlns:a16="http://schemas.microsoft.com/office/drawing/2014/main" id="{92A88695-4B68-4212-9668-AD4F0948C302}"/>
+                <a16:creationId xmlns:a16="http://schemas.microsoft.com/office/drawing/2014/main" id="{F08BDD69-2BAD-4586-936F-E97766E087F2}"/>
               </a:ext>
             </a:extLst>
           </p:cNvPr>
@@ -3287,7 +3372,7 @@
           <a:p>
             <a:r>
               <a:rPr lang="en-US" altLang="zh-CN" dirty="0"/>
-              <a:t>Data Source</a:t>
+              <a:t>About Predictive Modeling</a:t>
             </a:r>
             <a:endParaRPr lang="zh-CN" altLang="en-US" dirty="0"/>
           </a:p>
@@ -3298,7 +3383,7 @@
           <p:cNvPr id="3" name="内容占位符 2">
             <a:extLst>
               <a:ext uri="{FF2B5EF4-FFF2-40B4-BE49-F238E27FC236}">
-                <a16:creationId xmlns:a16="http://schemas.microsoft.com/office/drawing/2014/main" id="{FDCE9302-0AFC-48C6-BF9F-42CEE263A28E}"/>
+                <a16:creationId xmlns:a16="http://schemas.microsoft.com/office/drawing/2014/main" id="{5617BCB5-A908-4850-AEAF-3650E8F6D623}"/>
               </a:ext>
             </a:extLst>
           </p:cNvPr>
@@ -3316,10 +3401,34 @@
           <a:p>
             <a:r>
               <a:rPr lang="en-US" altLang="zh-CN" dirty="0"/>
-              <a:t>The latest two seasons record dataset containing game history of 32 NBA teams.</a:t>
-            </a:r>
-          </a:p>
-          <a:p>
+              <a:t>To create a solution that can make accurate predictions, we need to tease meaningful information out of our data to craft a predictive model that can make guesses about future events. We do this using our historical game data, which </a:t>
+            </a:r>
+            <a:r>
+              <a:rPr lang="en-US" altLang="zh-CN"/>
+              <a:t>we divide </a:t>
+            </a:r>
+            <a:r>
+              <a:rPr lang="en-US" altLang="zh-CN" dirty="0"/>
+              <a:t>up into 3 parts</a:t>
+            </a:r>
+          </a:p>
+          <a:p>
+            <a:r>
+              <a:rPr lang="en-US" altLang="zh-CN" dirty="0"/>
+              <a:t>1.Training data and data modeling</a:t>
+            </a:r>
+          </a:p>
+          <a:p>
+            <a:r>
+              <a:rPr lang="en-US" altLang="zh-CN" dirty="0"/>
+              <a:t>2.The training set helps discover potentially predictive variables and relationships between them.</a:t>
+            </a:r>
+          </a:p>
+          <a:p>
+            <a:r>
+              <a:rPr lang="en-US" altLang="zh-CN" dirty="0"/>
+              <a:t>3.Finally the blind set validates the model.</a:t>
+            </a:r>
             <a:endParaRPr lang="zh-CN" altLang="en-US" dirty="0"/>
           </a:p>
         </p:txBody>
@@ -3327,7 +3436,7 @@
     </p:spTree>
     <p:extLst>
       <p:ext uri="{BB962C8B-B14F-4D97-AF65-F5344CB8AC3E}">
-        <p14:creationId xmlns:p14="http://schemas.microsoft.com/office/powerpoint/2010/main" val="2010470871"/>
+        <p14:creationId xmlns:p14="http://schemas.microsoft.com/office/powerpoint/2010/main" val="2374649430"/>
       </p:ext>
     </p:extLst>
   </p:cSld>
@@ -3359,7 +3468,7 @@
           <p:cNvPr id="2" name="标题 1">
             <a:extLst>
               <a:ext uri="{FF2B5EF4-FFF2-40B4-BE49-F238E27FC236}">
-                <a16:creationId xmlns:a16="http://schemas.microsoft.com/office/drawing/2014/main" id="{F9485543-56D8-4A78-A419-19CED0ABF830}"/>
+                <a16:creationId xmlns:a16="http://schemas.microsoft.com/office/drawing/2014/main" id="{92A88695-4B68-4212-9668-AD4F0948C302}"/>
               </a:ext>
             </a:extLst>
           </p:cNvPr>
@@ -3377,7 +3486,7 @@
           <a:p>
             <a:r>
               <a:rPr lang="en-US" altLang="zh-CN" dirty="0"/>
-              <a:t>Milestones/sprints</a:t>
+              <a:t>Data Source</a:t>
             </a:r>
             <a:endParaRPr lang="zh-CN" altLang="en-US" dirty="0"/>
           </a:p>
@@ -3388,7 +3497,7 @@
           <p:cNvPr id="3" name="内容占位符 2">
             <a:extLst>
               <a:ext uri="{FF2B5EF4-FFF2-40B4-BE49-F238E27FC236}">
-                <a16:creationId xmlns:a16="http://schemas.microsoft.com/office/drawing/2014/main" id="{0628A4A3-F3CF-430F-9BEB-207243B92D08}"/>
+                <a16:creationId xmlns:a16="http://schemas.microsoft.com/office/drawing/2014/main" id="{FDCE9302-0AFC-48C6-BF9F-42CEE263A28E}"/>
               </a:ext>
             </a:extLst>
           </p:cNvPr>
@@ -3406,33 +3515,18 @@
           <a:p>
             <a:r>
               <a:rPr lang="en-US" altLang="zh-CN" dirty="0"/>
-              <a:t>Planning our project in details and build repo(week 10)</a:t>
-            </a:r>
-          </a:p>
-          <a:p>
-            <a:r>
-              <a:rPr lang="en-US" altLang="zh-CN" dirty="0"/>
-              <a:t>Achieve a result of data aggregation and modeling(week 11~12)</a:t>
-            </a:r>
-          </a:p>
-          <a:p>
-            <a:r>
-              <a:rPr lang="en-US" altLang="zh-CN" dirty="0"/>
-              <a:t>Finish the part of NBA game prediction and testing it(week 13)</a:t>
-            </a:r>
-          </a:p>
-          <a:p>
-            <a:r>
-              <a:rPr lang="en-US" altLang="zh-CN" dirty="0"/>
-              <a:t>Make improvements on our project(week 14)</a:t>
-            </a:r>
+              <a:t>The latest two seasons record dataset containing game history of 32 NBA teams.</a:t>
+            </a:r>
+          </a:p>
+          <a:p>
+            <a:endParaRPr lang="zh-CN" altLang="en-US" dirty="0"/>
           </a:p>
         </p:txBody>
       </p:sp>
     </p:spTree>
     <p:extLst>
       <p:ext uri="{BB962C8B-B14F-4D97-AF65-F5344CB8AC3E}">
-        <p14:creationId xmlns:p14="http://schemas.microsoft.com/office/powerpoint/2010/main" val="1856053156"/>
+        <p14:creationId xmlns:p14="http://schemas.microsoft.com/office/powerpoint/2010/main" val="2010470871"/>
       </p:ext>
     </p:extLst>
   </p:cSld>
@@ -3464,7 +3558,7 @@
           <p:cNvPr id="2" name="标题 1">
             <a:extLst>
               <a:ext uri="{FF2B5EF4-FFF2-40B4-BE49-F238E27FC236}">
-                <a16:creationId xmlns:a16="http://schemas.microsoft.com/office/drawing/2014/main" id="{4C7E94D0-3941-4B76-AFE2-9CED4351DDCC}"/>
+                <a16:creationId xmlns:a16="http://schemas.microsoft.com/office/drawing/2014/main" id="{F9485543-56D8-4A78-A419-19CED0ABF830}"/>
               </a:ext>
             </a:extLst>
           </p:cNvPr>
@@ -3482,7 +3576,7 @@
           <a:p>
             <a:r>
               <a:rPr lang="en-US" altLang="zh-CN" dirty="0"/>
-              <a:t>Programming and repository</a:t>
+              <a:t>Milestones/sprints</a:t>
             </a:r>
             <a:endParaRPr lang="zh-CN" altLang="en-US" dirty="0"/>
           </a:p>
@@ -3493,7 +3587,7 @@
           <p:cNvPr id="3" name="内容占位符 2">
             <a:extLst>
               <a:ext uri="{FF2B5EF4-FFF2-40B4-BE49-F238E27FC236}">
-                <a16:creationId xmlns:a16="http://schemas.microsoft.com/office/drawing/2014/main" id="{55CE9987-B4C6-4738-A0E3-FDACA0AA2F09}"/>
+                <a16:creationId xmlns:a16="http://schemas.microsoft.com/office/drawing/2014/main" id="{0628A4A3-F3CF-430F-9BEB-207243B92D08}"/>
               </a:ext>
             </a:extLst>
           </p:cNvPr>
@@ -3511,48 +3605,33 @@
           <a:p>
             <a:r>
               <a:rPr lang="en-US" altLang="zh-CN" dirty="0"/>
-              <a:t>use Apache - Spark Scala </a:t>
-            </a:r>
-            <a:r>
-              <a:rPr lang="en-US" altLang="zh-CN" dirty="0" err="1"/>
-              <a:t>Mlib</a:t>
-            </a:r>
+              <a:t>Planning our project in details and build repo(week 10)</a:t>
+            </a:r>
+          </a:p>
+          <a:p>
             <a:r>
               <a:rPr lang="en-US" altLang="zh-CN" dirty="0"/>
-              <a:t>(Machine Learning Library) to predict the result of a specific NBA game</a:t>
+              <a:t>Achieve a result of data aggregation and modeling(week 11~12)</a:t>
             </a:r>
           </a:p>
           <a:p>
             <a:r>
               <a:rPr lang="en-US" altLang="zh-CN" dirty="0"/>
-              <a:t>Our repository: </a:t>
-            </a:r>
-            <a:r>
-              <a:rPr lang="en-US" altLang="zh-CN" dirty="0" err="1"/>
-              <a:t>git@github.com:ZedHuang</a:t>
-            </a:r>
+              <a:t>Finish the part of NBA game prediction and testing it(week 13)</a:t>
+            </a:r>
+          </a:p>
+          <a:p>
             <a:r>
               <a:rPr lang="en-US" altLang="zh-CN" dirty="0"/>
-              <a:t>/</a:t>
-            </a:r>
-            <a:r>
-              <a:rPr lang="en-US" altLang="zh-CN" dirty="0" err="1"/>
-              <a:t>NbaGamePredictation.git</a:t>
-            </a:r>
-            <a:endParaRPr lang="en-US" altLang="zh-CN" dirty="0"/>
-          </a:p>
-          <a:p>
-            <a:endParaRPr lang="en-US" altLang="zh-CN" dirty="0"/>
-          </a:p>
-          <a:p>
-            <a:endParaRPr lang="zh-CN" altLang="en-US" dirty="0"/>
+              <a:t>Make improvements on our project(week 14)</a:t>
+            </a:r>
           </a:p>
         </p:txBody>
       </p:sp>
     </p:spTree>
     <p:extLst>
       <p:ext uri="{BB962C8B-B14F-4D97-AF65-F5344CB8AC3E}">
-        <p14:creationId xmlns:p14="http://schemas.microsoft.com/office/powerpoint/2010/main" val="2849493468"/>
+        <p14:creationId xmlns:p14="http://schemas.microsoft.com/office/powerpoint/2010/main" val="1856053156"/>
       </p:ext>
     </p:extLst>
   </p:cSld>
@@ -3584,7 +3663,7 @@
           <p:cNvPr id="2" name="标题 1">
             <a:extLst>
               <a:ext uri="{FF2B5EF4-FFF2-40B4-BE49-F238E27FC236}">
-                <a16:creationId xmlns:a16="http://schemas.microsoft.com/office/drawing/2014/main" id="{8521A641-F63B-4899-8793-A3A33EA59158}"/>
+                <a16:creationId xmlns:a16="http://schemas.microsoft.com/office/drawing/2014/main" id="{4C7E94D0-3941-4B76-AFE2-9CED4351DDCC}"/>
               </a:ext>
             </a:extLst>
           </p:cNvPr>
@@ -3602,7 +3681,7 @@
           <a:p>
             <a:r>
               <a:rPr lang="en-US" altLang="zh-CN" dirty="0"/>
-              <a:t>Acceptance criteria</a:t>
+              <a:t>Programming and repository</a:t>
             </a:r>
             <a:endParaRPr lang="zh-CN" altLang="en-US" dirty="0"/>
           </a:p>
@@ -3613,7 +3692,7 @@
           <p:cNvPr id="3" name="内容占位符 2">
             <a:extLst>
               <a:ext uri="{FF2B5EF4-FFF2-40B4-BE49-F238E27FC236}">
-                <a16:creationId xmlns:a16="http://schemas.microsoft.com/office/drawing/2014/main" id="{44EE3391-D84C-467A-9CCB-6384B5BD92F7}"/>
+                <a16:creationId xmlns:a16="http://schemas.microsoft.com/office/drawing/2014/main" id="{55CE9987-B4C6-4738-A0E3-FDACA0AA2F09}"/>
               </a:ext>
             </a:extLst>
           </p:cNvPr>
@@ -3631,12 +3710,40 @@
           <a:p>
             <a:r>
               <a:rPr lang="en-US" altLang="zh-CN" dirty="0"/>
-              <a:t>Rate of deviation for the prediction is </a:t>
-            </a:r>
-            <a:r>
-              <a:rPr lang="en-US" altLang="zh-CN"/>
-              <a:t>lower than 0.4</a:t>
-            </a:r>
+              <a:t>use Apache - Spark Scala </a:t>
+            </a:r>
+            <a:r>
+              <a:rPr lang="en-US" altLang="zh-CN" dirty="0" err="1"/>
+              <a:t>Mlib</a:t>
+            </a:r>
+            <a:r>
+              <a:rPr lang="en-US" altLang="zh-CN" dirty="0"/>
+              <a:t>(Machine Learning Library) to predict the result of a specific NBA game</a:t>
+            </a:r>
+          </a:p>
+          <a:p>
+            <a:r>
+              <a:rPr lang="en-US" altLang="zh-CN" dirty="0"/>
+              <a:t>Our repository: </a:t>
+            </a:r>
+            <a:r>
+              <a:rPr lang="en-US" altLang="zh-CN" dirty="0" err="1"/>
+              <a:t>git@github.com:ZedHuang</a:t>
+            </a:r>
+            <a:r>
+              <a:rPr lang="en-US" altLang="zh-CN" dirty="0"/>
+              <a:t>/</a:t>
+            </a:r>
+            <a:r>
+              <a:rPr lang="en-US" altLang="zh-CN" dirty="0" err="1"/>
+              <a:t>NbaGamePredictation.git</a:t>
+            </a:r>
+            <a:endParaRPr lang="en-US" altLang="zh-CN" dirty="0"/>
+          </a:p>
+          <a:p>
+            <a:endParaRPr lang="en-US" altLang="zh-CN" dirty="0"/>
+          </a:p>
+          <a:p>
             <a:endParaRPr lang="zh-CN" altLang="en-US" dirty="0"/>
           </a:p>
         </p:txBody>
@@ -3644,7 +3751,7 @@
     </p:spTree>
     <p:extLst>
       <p:ext uri="{BB962C8B-B14F-4D97-AF65-F5344CB8AC3E}">
-        <p14:creationId xmlns:p14="http://schemas.microsoft.com/office/powerpoint/2010/main" val="1639547345"/>
+        <p14:creationId xmlns:p14="http://schemas.microsoft.com/office/powerpoint/2010/main" val="2849493468"/>
       </p:ext>
     </p:extLst>
   </p:cSld>
@@ -3676,7 +3783,7 @@
           <p:cNvPr id="2" name="标题 1">
             <a:extLst>
               <a:ext uri="{FF2B5EF4-FFF2-40B4-BE49-F238E27FC236}">
-                <a16:creationId xmlns:a16="http://schemas.microsoft.com/office/drawing/2014/main" id="{564FB8D2-53A9-48FC-A59C-B7D64CAE604D}"/>
+                <a16:creationId xmlns:a16="http://schemas.microsoft.com/office/drawing/2014/main" id="{8521A641-F63B-4899-8793-A3A33EA59158}"/>
               </a:ext>
             </a:extLst>
           </p:cNvPr>
@@ -3694,7 +3801,7 @@
           <a:p>
             <a:r>
               <a:rPr lang="en-US" altLang="zh-CN" dirty="0"/>
-              <a:t>Goals of the project</a:t>
+              <a:t>Acceptance criteria</a:t>
             </a:r>
             <a:endParaRPr lang="zh-CN" altLang="en-US" dirty="0"/>
           </a:p>
@@ -3705,7 +3812,7 @@
           <p:cNvPr id="3" name="内容占位符 2">
             <a:extLst>
               <a:ext uri="{FF2B5EF4-FFF2-40B4-BE49-F238E27FC236}">
-                <a16:creationId xmlns:a16="http://schemas.microsoft.com/office/drawing/2014/main" id="{52868E74-CAB8-41D5-BE94-8803E0790941}"/>
+                <a16:creationId xmlns:a16="http://schemas.microsoft.com/office/drawing/2014/main" id="{44EE3391-D84C-467A-9CCB-6384B5BD92F7}"/>
               </a:ext>
             </a:extLst>
           </p:cNvPr>
@@ -3723,22 +3830,8 @@
           <a:p>
             <a:r>
               <a:rPr lang="en-US" altLang="zh-CN" dirty="0"/>
-              <a:t>To predict a specific NBA game based on the latest 2 seasons data</a:t>
-            </a:r>
-          </a:p>
-          <a:p>
-            <a:r>
-              <a:rPr lang="en-US" altLang="zh-CN" dirty="0"/>
-              <a:t>To develop Apache - Spark Scala code to parse, clean, model the data.</a:t>
-            </a:r>
-          </a:p>
-          <a:p>
-            <a:r>
-              <a:rPr lang="en-US" altLang="zh-CN" dirty="0"/>
-              <a:t>To use different combination of factors to predict the result of game</a:t>
-            </a:r>
-          </a:p>
-          <a:p>
+              <a:t>RMSE for the prediction is lower than 0.4</a:t>
+            </a:r>
             <a:endParaRPr lang="zh-CN" altLang="en-US" dirty="0"/>
           </a:p>
         </p:txBody>
@@ -3746,7 +3839,7 @@
     </p:spTree>
     <p:extLst>
       <p:ext uri="{BB962C8B-B14F-4D97-AF65-F5344CB8AC3E}">
-        <p14:creationId xmlns:p14="http://schemas.microsoft.com/office/powerpoint/2010/main" val="3637931838"/>
+        <p14:creationId xmlns:p14="http://schemas.microsoft.com/office/powerpoint/2010/main" val="1639547345"/>
       </p:ext>
     </p:extLst>
   </p:cSld>
@@ -3778,7 +3871,7 @@
           <p:cNvPr id="2" name="标题 1">
             <a:extLst>
               <a:ext uri="{FF2B5EF4-FFF2-40B4-BE49-F238E27FC236}">
-                <a16:creationId xmlns:a16="http://schemas.microsoft.com/office/drawing/2014/main" id="{4706937A-522E-4146-A802-9EE98C4F5B78}"/>
+                <a16:creationId xmlns:a16="http://schemas.microsoft.com/office/drawing/2014/main" id="{564FB8D2-53A9-48FC-A59C-B7D64CAE604D}"/>
               </a:ext>
             </a:extLst>
           </p:cNvPr>
@@ -3795,10 +3888,10 @@
           <a:lstStyle/>
           <a:p>
             <a:r>
-              <a:rPr lang="en-US" altLang="zh-CN"/>
-              <a:t>Thank you</a:t>
-            </a:r>
-            <a:endParaRPr lang="zh-CN" altLang="en-US"/>
+              <a:rPr lang="en-US" altLang="zh-CN" dirty="0"/>
+              <a:t>Goals of the project</a:t>
+            </a:r>
+            <a:endParaRPr lang="zh-CN" altLang="en-US" dirty="0"/>
           </a:p>
         </p:txBody>
       </p:sp>
@@ -3807,7 +3900,7 @@
           <p:cNvPr id="3" name="内容占位符 2">
             <a:extLst>
               <a:ext uri="{FF2B5EF4-FFF2-40B4-BE49-F238E27FC236}">
-                <a16:creationId xmlns:a16="http://schemas.microsoft.com/office/drawing/2014/main" id="{386FA061-68D4-47BC-8C4F-544D94AB7CBC}"/>
+                <a16:creationId xmlns:a16="http://schemas.microsoft.com/office/drawing/2014/main" id="{52868E74-CAB8-41D5-BE94-8803E0790941}"/>
               </a:ext>
             </a:extLst>
           </p:cNvPr>
@@ -3823,6 +3916,24 @@
           <a:bodyPr/>
           <a:lstStyle/>
           <a:p>
+            <a:r>
+              <a:rPr lang="en-US" altLang="zh-CN" dirty="0"/>
+              <a:t>To predict a specific NBA game based on the latest 2 seasons data</a:t>
+            </a:r>
+          </a:p>
+          <a:p>
+            <a:r>
+              <a:rPr lang="en-US" altLang="zh-CN" dirty="0"/>
+              <a:t>To develop Apache - Spark Scala code to parse, clean, model the data.</a:t>
+            </a:r>
+          </a:p>
+          <a:p>
+            <a:r>
+              <a:rPr lang="en-US" altLang="zh-CN" dirty="0"/>
+              <a:t>To use different combination of factors to predict the result of game</a:t>
+            </a:r>
+          </a:p>
+          <a:p>
             <a:endParaRPr lang="zh-CN" altLang="en-US" dirty="0"/>
           </a:p>
         </p:txBody>
@@ -3830,7 +3941,7 @@
     </p:spTree>
     <p:extLst>
       <p:ext uri="{BB962C8B-B14F-4D97-AF65-F5344CB8AC3E}">
-        <p14:creationId xmlns:p14="http://schemas.microsoft.com/office/powerpoint/2010/main" val="3050544878"/>
+        <p14:creationId xmlns:p14="http://schemas.microsoft.com/office/powerpoint/2010/main" val="3637931838"/>
       </p:ext>
     </p:extLst>
   </p:cSld>

--- a/planning.pptx
+++ b/planning.pptx
@@ -3007,7 +3007,10 @@
           <a:bodyPr/>
           <a:lstStyle/>
           <a:p>
-            <a:endParaRPr lang="en-US" altLang="zh-CN" dirty="0"/>
+            <a:r>
+              <a:rPr lang="en-US" altLang="zh-CN" dirty="0"/>
+              <a:t>Team 15</a:t>
+            </a:r>
           </a:p>
           <a:p>
             <a:r>

--- a/planning.pptx
+++ b/planning.pptx
@@ -3404,33 +3404,29 @@
           <a:p>
             <a:r>
               <a:rPr lang="en-US" altLang="zh-CN" dirty="0"/>
-              <a:t>To create a solution that can make accurate predictions, we need to tease meaningful information out of our data to craft a predictive model that can make guesses about future events. We do this using our historical game data, which </a:t>
-            </a:r>
+              <a:t>To create a solution that can make accurate predictions, we need to tease meaningful information out of our data to craft a predictive model that can make guesses about future events. We do this using our historical game data, which we divide up into 3 parts</a:t>
+            </a:r>
+          </a:p>
+          <a:p>
+            <a:r>
+              <a:rPr lang="en-US" altLang="zh-CN" dirty="0"/>
+              <a:t>1. Training data and data modeling</a:t>
+            </a:r>
+          </a:p>
+          <a:p>
+            <a:r>
+              <a:rPr lang="en-US" altLang="zh-CN" dirty="0"/>
+              <a:t>2. The training set helps discover potentially predictive variables and relationships between them.</a:t>
+            </a:r>
+          </a:p>
+          <a:p>
             <a:r>
               <a:rPr lang="en-US" altLang="zh-CN"/>
-              <a:t>we divide </a:t>
+              <a:t>3. Finally </a:t>
             </a:r>
             <a:r>
               <a:rPr lang="en-US" altLang="zh-CN" dirty="0"/>
-              <a:t>up into 3 parts</a:t>
-            </a:r>
-          </a:p>
-          <a:p>
-            <a:r>
-              <a:rPr lang="en-US" altLang="zh-CN" dirty="0"/>
-              <a:t>1.Training data and data modeling</a:t>
-            </a:r>
-          </a:p>
-          <a:p>
-            <a:r>
-              <a:rPr lang="en-US" altLang="zh-CN" dirty="0"/>
-              <a:t>2.The training set helps discover potentially predictive variables and relationships between them.</a:t>
-            </a:r>
-          </a:p>
-          <a:p>
-            <a:r>
-              <a:rPr lang="en-US" altLang="zh-CN" dirty="0"/>
-              <a:t>3.Finally the blind set validates the model.</a:t>
+              <a:t>the blind set validates the model.</a:t>
             </a:r>
             <a:endParaRPr lang="zh-CN" altLang="en-US" dirty="0"/>
           </a:p>
